--- a/PRESENTATION.pptx
+++ b/PRESENTATION.pptx
@@ -132,6 +132,158 @@
 </p:presentation>
 </file>
 
+<file path=ppt/changesInfos/changesInfo1.xml><?xml version="1.0" encoding="utf-8"?>
+<pc:chgInfo xmlns:a="http://schemas.openxmlformats.org/drawingml/2006/main" xmlns:r="http://schemas.openxmlformats.org/officeDocument/2006/relationships" xmlns:ac="http://schemas.microsoft.com/office/drawing/2013/main/command" xmlns:pc="http://schemas.microsoft.com/office/powerpoint/2013/main/command">
+  <pc:docChgLst>
+    <pc:chgData name="Madhusudhan Sarma" userId="ec41eee13dd2e815" providerId="LiveId" clId="{13D3BE29-4CB7-441B-A74A-4204BA4D671D}"/>
+    <pc:docChg chg="undo custSel modSld">
+      <pc:chgData name="Madhusudhan Sarma" userId="ec41eee13dd2e815" providerId="LiveId" clId="{13D3BE29-4CB7-441B-A74A-4204BA4D671D}" dt="2024-10-06T19:35:07.994" v="73"/>
+      <pc:docMkLst>
+        <pc:docMk/>
+      </pc:docMkLst>
+      <pc:sldChg chg="modSp mod">
+        <pc:chgData name="Madhusudhan Sarma" userId="ec41eee13dd2e815" providerId="LiveId" clId="{13D3BE29-4CB7-441B-A74A-4204BA4D671D}" dt="2024-10-06T19:34:12.443" v="72" actId="20577"/>
+        <pc:sldMkLst>
+          <pc:docMk/>
+          <pc:sldMk cId="532094619" sldId="273"/>
+        </pc:sldMkLst>
+        <pc:spChg chg="mod">
+          <ac:chgData name="Madhusudhan Sarma" userId="ec41eee13dd2e815" providerId="LiveId" clId="{13D3BE29-4CB7-441B-A74A-4204BA4D671D}" dt="2024-10-06T19:34:12.443" v="72" actId="20577"/>
+          <ac:spMkLst>
+            <pc:docMk/>
+            <pc:sldMk cId="532094619" sldId="273"/>
+            <ac:spMk id="3" creationId="{0B9CA917-AD8E-4861-804D-4A5A6A205591}"/>
+          </ac:spMkLst>
+        </pc:spChg>
+      </pc:sldChg>
+      <pc:sldChg chg="addSp delSp modSp mod">
+        <pc:chgData name="Madhusudhan Sarma" userId="ec41eee13dd2e815" providerId="LiveId" clId="{13D3BE29-4CB7-441B-A74A-4204BA4D671D}" dt="2024-10-06T19:35:07.994" v="73"/>
+        <pc:sldMkLst>
+          <pc:docMk/>
+          <pc:sldMk cId="3279406396" sldId="279"/>
+        </pc:sldMkLst>
+        <pc:spChg chg="mod">
+          <ac:chgData name="Madhusudhan Sarma" userId="ec41eee13dd2e815" providerId="LiveId" clId="{13D3BE29-4CB7-441B-A74A-4204BA4D671D}" dt="2024-10-06T19:35:07.994" v="73"/>
+          <ac:spMkLst>
+            <pc:docMk/>
+            <pc:sldMk cId="3279406396" sldId="279"/>
+            <ac:spMk id="4" creationId="{D0230333-6268-988A-D03E-098BB3A2845B}"/>
+          </ac:spMkLst>
+        </pc:spChg>
+        <pc:spChg chg="add del mod">
+          <ac:chgData name="Madhusudhan Sarma" userId="ec41eee13dd2e815" providerId="LiveId" clId="{13D3BE29-4CB7-441B-A74A-4204BA4D671D}" dt="2024-10-06T19:28:29.967" v="9" actId="478"/>
+          <ac:spMkLst>
+            <pc:docMk/>
+            <pc:sldMk cId="3279406396" sldId="279"/>
+            <ac:spMk id="15" creationId="{5612640F-6905-9D8C-FA35-C793731CD397}"/>
+          </ac:spMkLst>
+        </pc:spChg>
+        <pc:picChg chg="del">
+          <ac:chgData name="Madhusudhan Sarma" userId="ec41eee13dd2e815" providerId="LiveId" clId="{13D3BE29-4CB7-441B-A74A-4204BA4D671D}" dt="2024-10-06T19:28:18.482" v="6" actId="478"/>
+          <ac:picMkLst>
+            <pc:docMk/>
+            <pc:sldMk cId="3279406396" sldId="279"/>
+            <ac:picMk id="3" creationId="{F6578A73-D112-6861-9A96-EA4E8ED0AE2C}"/>
+          </ac:picMkLst>
+        </pc:picChg>
+        <pc:picChg chg="add del mod">
+          <ac:chgData name="Madhusudhan Sarma" userId="ec41eee13dd2e815" providerId="LiveId" clId="{13D3BE29-4CB7-441B-A74A-4204BA4D671D}" dt="2024-10-06T19:28:14.237" v="3" actId="22"/>
+          <ac:picMkLst>
+            <pc:docMk/>
+            <pc:sldMk cId="3279406396" sldId="279"/>
+            <ac:picMk id="6" creationId="{CBBF330D-3F13-43F4-EFB5-7188047E199A}"/>
+          </ac:picMkLst>
+        </pc:picChg>
+        <pc:picChg chg="add del">
+          <ac:chgData name="Madhusudhan Sarma" userId="ec41eee13dd2e815" providerId="LiveId" clId="{13D3BE29-4CB7-441B-A74A-4204BA4D671D}" dt="2024-10-06T19:28:17.203" v="5" actId="22"/>
+          <ac:picMkLst>
+            <pc:docMk/>
+            <pc:sldMk cId="3279406396" sldId="279"/>
+            <ac:picMk id="10" creationId="{831376A8-124B-2DA4-E0AC-0E53E02C524F}"/>
+          </ac:picMkLst>
+        </pc:picChg>
+        <pc:picChg chg="add del mod">
+          <ac:chgData name="Madhusudhan Sarma" userId="ec41eee13dd2e815" providerId="LiveId" clId="{13D3BE29-4CB7-441B-A74A-4204BA4D671D}" dt="2024-10-06T19:28:40.967" v="11" actId="478"/>
+          <ac:picMkLst>
+            <pc:docMk/>
+            <pc:sldMk cId="3279406396" sldId="279"/>
+            <ac:picMk id="17" creationId="{37D0B6BD-70EA-0B0C-501C-C63276679092}"/>
+          </ac:picMkLst>
+        </pc:picChg>
+        <pc:picChg chg="add mod">
+          <ac:chgData name="Madhusudhan Sarma" userId="ec41eee13dd2e815" providerId="LiveId" clId="{13D3BE29-4CB7-441B-A74A-4204BA4D671D}" dt="2024-10-06T19:29:31.470" v="19" actId="14100"/>
+          <ac:picMkLst>
+            <pc:docMk/>
+            <pc:sldMk cId="3279406396" sldId="279"/>
+            <ac:picMk id="19" creationId="{177710B2-F393-EEEB-A81F-1A485486241D}"/>
+          </ac:picMkLst>
+        </pc:picChg>
+      </pc:sldChg>
+      <pc:sldChg chg="modSp mod">
+        <pc:chgData name="Madhusudhan Sarma" userId="ec41eee13dd2e815" providerId="LiveId" clId="{13D3BE29-4CB7-441B-A74A-4204BA4D671D}" dt="2024-10-06T19:33:28.813" v="50" actId="20577"/>
+        <pc:sldMkLst>
+          <pc:docMk/>
+          <pc:sldMk cId="1800692889" sldId="283"/>
+        </pc:sldMkLst>
+        <pc:spChg chg="mod">
+          <ac:chgData name="Madhusudhan Sarma" userId="ec41eee13dd2e815" providerId="LiveId" clId="{13D3BE29-4CB7-441B-A74A-4204BA4D671D}" dt="2024-10-06T19:33:28.813" v="50" actId="20577"/>
+          <ac:spMkLst>
+            <pc:docMk/>
+            <pc:sldMk cId="1800692889" sldId="283"/>
+            <ac:spMk id="6" creationId="{8D3944A0-0FCB-46FB-9E73-72A37CA2B00B}"/>
+          </ac:spMkLst>
+        </pc:spChg>
+      </pc:sldChg>
+      <pc:sldChg chg="modSp mod">
+        <pc:chgData name="Madhusudhan Sarma" userId="ec41eee13dd2e815" providerId="LiveId" clId="{13D3BE29-4CB7-441B-A74A-4204BA4D671D}" dt="2024-10-06T19:32:37.944" v="47" actId="14100"/>
+        <pc:sldMkLst>
+          <pc:docMk/>
+          <pc:sldMk cId="1190419873" sldId="284"/>
+        </pc:sldMkLst>
+        <pc:spChg chg="mod">
+          <ac:chgData name="Madhusudhan Sarma" userId="ec41eee13dd2e815" providerId="LiveId" clId="{13D3BE29-4CB7-441B-A74A-4204BA4D671D}" dt="2024-10-06T19:32:37.944" v="47" actId="14100"/>
+          <ac:spMkLst>
+            <pc:docMk/>
+            <pc:sldMk cId="1190419873" sldId="284"/>
+            <ac:spMk id="3" creationId="{55E0A36F-A44F-8573-B2AD-4A5204B3D830}"/>
+          </ac:spMkLst>
+        </pc:spChg>
+      </pc:sldChg>
+      <pc:sldChg chg="modSp mod">
+        <pc:chgData name="Madhusudhan Sarma" userId="ec41eee13dd2e815" providerId="LiveId" clId="{13D3BE29-4CB7-441B-A74A-4204BA4D671D}" dt="2024-10-06T19:32:01.359" v="46" actId="14100"/>
+        <pc:sldMkLst>
+          <pc:docMk/>
+          <pc:sldMk cId="22632392" sldId="285"/>
+        </pc:sldMkLst>
+        <pc:spChg chg="mod">
+          <ac:chgData name="Madhusudhan Sarma" userId="ec41eee13dd2e815" providerId="LiveId" clId="{13D3BE29-4CB7-441B-A74A-4204BA4D671D}" dt="2024-10-06T19:32:01.359" v="46" actId="14100"/>
+          <ac:spMkLst>
+            <pc:docMk/>
+            <pc:sldMk cId="22632392" sldId="285"/>
+            <ac:spMk id="9" creationId="{D3D4999B-14BB-C7E7-E780-AA1404B7BFD5}"/>
+          </ac:spMkLst>
+        </pc:spChg>
+      </pc:sldChg>
+      <pc:sldChg chg="modSp mod">
+        <pc:chgData name="Madhusudhan Sarma" userId="ec41eee13dd2e815" providerId="LiveId" clId="{13D3BE29-4CB7-441B-A74A-4204BA4D671D}" dt="2024-10-06T19:31:38.440" v="44" actId="113"/>
+        <pc:sldMkLst>
+          <pc:docMk/>
+          <pc:sldMk cId="719913000" sldId="286"/>
+        </pc:sldMkLst>
+        <pc:spChg chg="mod">
+          <ac:chgData name="Madhusudhan Sarma" userId="ec41eee13dd2e815" providerId="LiveId" clId="{13D3BE29-4CB7-441B-A74A-4204BA4D671D}" dt="2024-10-06T19:31:38.440" v="44" actId="113"/>
+          <ac:spMkLst>
+            <pc:docMk/>
+            <pc:sldMk cId="719913000" sldId="286"/>
+            <ac:spMk id="9" creationId="{7FDAC72F-52FB-8B0D-FFF9-8E7C1F473E43}"/>
+          </ac:spMkLst>
+        </pc:spChg>
+      </pc:sldChg>
+    </pc:docChg>
+  </pc:docChgLst>
+</pc:chgInfo>
+</file>
+
 <file path=ppt/handoutMasters/handoutMaster1.xml><?xml version="1.0" encoding="utf-8"?>
 <p:handoutMaster xmlns:a="http://schemas.openxmlformats.org/drawingml/2006/main" xmlns:r="http://schemas.openxmlformats.org/officeDocument/2006/relationships" xmlns:p="http://schemas.openxmlformats.org/presentationml/2006/main">
   <p:cSld>
@@ -217,7 +369,7 @@
           <a:p>
             <a:fld id="{A6E5FBE0-5C21-4E83-8069-52D09BCDD71E}" type="datetimeFigureOut">
               <a:rPr lang="en-IN" smtClean="0"/>
-              <a:t>06-10-2024</a:t>
+              <a:t>07-10-2024</a:t>
             </a:fld>
             <a:endParaRPr lang="en-IN"/>
           </a:p>
@@ -386,7 +538,7 @@
           <a:p>
             <a:fld id="{D6846DD5-0A30-46AD-B2E1-F25508726044}" type="datetimeFigureOut">
               <a:rPr lang="en-IN" smtClean="0"/>
-              <a:t>06-10-2024</a:t>
+              <a:t>07-10-2024</a:t>
             </a:fld>
             <a:endParaRPr lang="en-IN"/>
           </a:p>
@@ -3517,39 +3669,6 @@
           </a:p>
         </p:txBody>
       </p:sp>
-      <p:pic>
-        <p:nvPicPr>
-          <p:cNvPr id="3" name="Content Placeholder 2">
-            <a:extLst>
-              <a:ext uri="{FF2B5EF4-FFF2-40B4-BE49-F238E27FC236}">
-                <a16:creationId xmlns:a16="http://schemas.microsoft.com/office/drawing/2014/main" id="{F6578A73-D112-6861-9A96-EA4E8ED0AE2C}"/>
-              </a:ext>
-            </a:extLst>
-          </p:cNvPr>
-          <p:cNvPicPr>
-            <a:picLocks noGrp="1"/>
-          </p:cNvPicPr>
-          <p:nvPr>
-            <p:ph idx="1"/>
-          </p:nvPr>
-        </p:nvPicPr>
-        <p:blipFill>
-          <a:blip r:embed="rId2"/>
-          <a:stretch/>
-        </p:blipFill>
-        <p:spPr>
-          <a:xfrm>
-            <a:off x="1140884" y="1107038"/>
-            <a:ext cx="9592732" cy="4128180"/>
-          </a:xfrm>
-          <a:prstGeom prst="rect">
-            <a:avLst/>
-          </a:prstGeom>
-          <a:ln w="0">
-            <a:noFill/>
-          </a:ln>
-        </p:spPr>
-      </p:pic>
       <p:sp>
         <p:nvSpPr>
           <p:cNvPr id="4" name="Content Placeholder 2">
@@ -3745,9 +3864,21 @@
             <a:pPr marL="0" indent="0">
               <a:buNone/>
             </a:pPr>
-            <a:r>
-              <a:rPr lang="en-US" sz="2400" b="1"/>
+            <a:endParaRPr lang="en-US" sz="2400" b="1" dirty="0"/>
+          </a:p>
+          <a:p>
+            <a:pPr marL="0" indent="0">
+              <a:buNone/>
+            </a:pPr>
+            <a:r>
+              <a:rPr lang="en-US" sz="2400" b="1" dirty="0"/>
               <a:t>Repository Link: </a:t>
+            </a:r>
+            <a:r>
+              <a:rPr lang="en-US" sz="2400" b="1" dirty="0">
+                <a:hlinkClick r:id="rId2"/>
+              </a:rPr>
+              <a:t>https://github.com/srivaishnavi26/Summer-Internship-1</a:t>
             </a:r>
             <a:endParaRPr lang="en-US" sz="2400" b="1" dirty="0"/>
           </a:p>
@@ -3955,6 +4086,36 @@
           </a:p>
         </p:txBody>
       </p:sp>
+      <p:pic>
+        <p:nvPicPr>
+          <p:cNvPr id="19" name="Picture 18">
+            <a:extLst>
+              <a:ext uri="{FF2B5EF4-FFF2-40B4-BE49-F238E27FC236}">
+                <a16:creationId xmlns:a16="http://schemas.microsoft.com/office/drawing/2014/main" id="{177710B2-F393-EEEB-A81F-1A485486241D}"/>
+              </a:ext>
+            </a:extLst>
+          </p:cNvPr>
+          <p:cNvPicPr>
+            <a:picLocks noChangeAspect="1"/>
+          </p:cNvPicPr>
+          <p:nvPr/>
+        </p:nvPicPr>
+        <p:blipFill>
+          <a:blip r:embed="rId4"/>
+          <a:stretch>
+            <a:fillRect/>
+          </a:stretch>
+        </p:blipFill>
+        <p:spPr>
+          <a:xfrm>
+            <a:off x="1106905" y="1080653"/>
+            <a:ext cx="10125777" cy="4695891"/>
+          </a:xfrm>
+          <a:prstGeom prst="rect">
+            <a:avLst/>
+          </a:prstGeom>
+        </p:spPr>
+      </p:pic>
     </p:spTree>
     <p:extLst>
       <p:ext uri="{BB962C8B-B14F-4D97-AF65-F5344CB8AC3E}">
@@ -4457,7 +4618,7 @@
         <p:spPr/>
         <p:txBody>
           <a:bodyPr>
-            <a:normAutofit fontScale="92500" lnSpcReduction="10000"/>
+            <a:normAutofit fontScale="85000" lnSpcReduction="20000"/>
           </a:bodyPr>
           <a:lstStyle/>
           <a:p>
@@ -4640,6 +4801,32 @@
             <a:r>
               <a:rPr lang="en-US" dirty="0"/>
               <a:t>Learning outcomes</a:t>
+            </a:r>
+          </a:p>
+          <a:p>
+            <a:pPr marL="461963" indent="-461963">
+              <a:lnSpc>
+                <a:spcPct val="150000"/>
+              </a:lnSpc>
+              <a:spcBef>
+                <a:spcPts val="500"/>
+              </a:spcBef>
+              <a:spcAft>
+                <a:spcPts val="500"/>
+              </a:spcAft>
+              <a:buBlip>
+                <a:blip r:embed="rId2">
+                  <a:extLst>
+                    <a:ext uri="{96DAC541-7B7A-43D3-8B79-37D633B846F1}">
+                      <asvg:svgBlip xmlns:asvg="http://schemas.microsoft.com/office/drawing/2016/SVG/main" r:embed="rId3"/>
+                    </a:ext>
+                  </a:extLst>
+                </a:blip>
+              </a:buBlip>
+            </a:pPr>
+            <a:r>
+              <a:rPr lang="en-US" dirty="0"/>
+              <a:t>GitHub Dashboard</a:t>
             </a:r>
           </a:p>
           <a:p>
@@ -5155,8 +5342,8 @@
         </p:nvSpPr>
         <p:spPr>
           <a:xfrm>
-            <a:off x="3581400" y="25401"/>
-            <a:ext cx="5672667" cy="232759"/>
+            <a:off x="3581401" y="25401"/>
+            <a:ext cx="5177588" cy="207357"/>
           </a:xfrm>
           <a:prstGeom prst="rect">
             <a:avLst/>
@@ -5891,8 +6078,8 @@
         </p:nvSpPr>
         <p:spPr bwMode="auto">
           <a:xfrm>
-            <a:off x="215900" y="527607"/>
-            <a:ext cx="13436600" cy="6109365"/>
+            <a:off x="215900" y="522315"/>
+            <a:ext cx="13436600" cy="6119945"/>
           </a:xfrm>
           <a:prstGeom prst="rect">
             <a:avLst/>
@@ -5942,7 +6129,7 @@
           <a:p>
             <a:pPr marL="0" marR="0" lvl="0" indent="0" algn="l" defTabSz="914400" rtl="0" eaLnBrk="0" fontAlgn="base" latinLnBrk="0" hangingPunct="0">
               <a:lnSpc>
-                <a:spcPct val="100000"/>
+                <a:spcPct val="150000"/>
               </a:lnSpc>
               <a:spcBef>
                 <a:spcPct val="0"/>
@@ -5956,7 +6143,7 @@
               <a:buNone/>
               <a:tabLst/>
             </a:pPr>
-            <a:endParaRPr kumimoji="0" lang="en-US" altLang="en-US" sz="2300" b="1" i="0" u="none" strike="noStrike" cap="none" normalizeH="0" baseline="0" dirty="0">
+            <a:endParaRPr kumimoji="0" lang="en-US" altLang="en-US" sz="2400" b="1" i="0" u="none" strike="noStrike" cap="none" normalizeH="0" baseline="0" dirty="0">
               <a:ln>
                 <a:noFill/>
               </a:ln>
@@ -5971,7 +6158,7 @@
           <a:p>
             <a:pPr marL="0" marR="0" lvl="0" indent="0" algn="l" defTabSz="914400" rtl="0" eaLnBrk="0" fontAlgn="base" latinLnBrk="0" hangingPunct="0">
               <a:lnSpc>
-                <a:spcPct val="100000"/>
+                <a:spcPct val="150000"/>
               </a:lnSpc>
               <a:spcBef>
                 <a:spcPct val="0"/>
@@ -5986,7 +6173,7 @@
               <a:tabLst/>
             </a:pPr>
             <a:r>
-              <a:rPr kumimoji="0" lang="en-US" altLang="en-US" sz="2300" b="1" i="0" u="none" strike="noStrike" cap="none" normalizeH="0" baseline="0" dirty="0" err="1">
+              <a:rPr kumimoji="0" lang="en-US" altLang="en-US" sz="2400" b="1" i="0" u="none" strike="noStrike" cap="none" normalizeH="0" baseline="0" dirty="0" err="1">
                 <a:ln>
                   <a:noFill/>
                 </a:ln>
@@ -6000,7 +6187,7 @@
               <a:t>Celonis</a:t>
             </a:r>
             <a:r>
-              <a:rPr kumimoji="0" lang="en-US" altLang="en-US" sz="2300" b="0" i="0" u="none" strike="noStrike" cap="none" normalizeH="0" baseline="0" dirty="0">
+              <a:rPr kumimoji="0" lang="en-US" altLang="en-US" sz="2400" b="0" i="0" u="none" strike="noStrike" cap="none" normalizeH="0" baseline="0" dirty="0">
                 <a:ln>
                   <a:noFill/>
                 </a:ln>
@@ -6011,40 +6198,13 @@
                 <a:latin typeface="Times New Roman" panose="02020603050405020304" pitchFamily="18" charset="0"/>
                 <a:cs typeface="Times New Roman" panose="02020603050405020304" pitchFamily="18" charset="0"/>
               </a:rPr>
-              <a:t>:</a:t>
-            </a:r>
-            <a:br>
-              <a:rPr kumimoji="0" lang="en-US" altLang="en-US" sz="2300" b="0" i="0" u="none" strike="noStrike" cap="none" normalizeH="0" baseline="0" dirty="0">
-                <a:ln>
-                  <a:noFill/>
-                </a:ln>
-                <a:solidFill>
-                  <a:schemeClr val="tx1"/>
-                </a:solidFill>
-                <a:effectLst/>
-                <a:latin typeface="Times New Roman" panose="02020603050405020304" pitchFamily="18" charset="0"/>
-                <a:cs typeface="Times New Roman" panose="02020603050405020304" pitchFamily="18" charset="0"/>
-              </a:rPr>
-            </a:br>
-            <a:r>
-              <a:rPr kumimoji="0" lang="en-US" altLang="en-US" sz="2300" b="0" i="0" u="none" strike="noStrike" cap="none" normalizeH="0" baseline="0" dirty="0">
-                <a:ln>
-                  <a:noFill/>
-                </a:ln>
-                <a:solidFill>
-                  <a:schemeClr val="tx1"/>
-                </a:solidFill>
-                <a:effectLst/>
-                <a:latin typeface="Times New Roman" panose="02020603050405020304" pitchFamily="18" charset="0"/>
-                <a:cs typeface="Times New Roman" panose="02020603050405020304" pitchFamily="18" charset="0"/>
-              </a:rPr>
-              <a:t>Visualizes and analyzes processes.</a:t>
+              <a:t>: Visualizes and analyzes processes.</a:t>
             </a:r>
           </a:p>
           <a:p>
             <a:pPr marL="457200" marR="0" lvl="1" indent="0" algn="l" defTabSz="914400" rtl="0" eaLnBrk="0" fontAlgn="base" latinLnBrk="0" hangingPunct="0">
               <a:lnSpc>
-                <a:spcPct val="100000"/>
+                <a:spcPct val="150000"/>
               </a:lnSpc>
               <a:spcBef>
                 <a:spcPct val="0"/>
@@ -6054,12 +6214,10 @@
               </a:spcAft>
               <a:buClrTx/>
               <a:buSzTx/>
-              <a:buFontTx/>
-              <a:buChar char="•"/>
               <a:tabLst/>
             </a:pPr>
             <a:r>
-              <a:rPr kumimoji="0" lang="en-US" altLang="en-US" sz="2300" b="1" i="0" u="none" strike="noStrike" cap="none" normalizeH="0" baseline="0" dirty="0">
+              <a:rPr kumimoji="0" lang="en-US" altLang="en-US" sz="2400" i="0" u="none" strike="noStrike" cap="none" normalizeH="0" baseline="0" dirty="0">
                 <a:ln>
                   <a:noFill/>
                 </a:ln>
@@ -6070,10 +6228,10 @@
                 <a:latin typeface="Times New Roman" panose="02020603050405020304" pitchFamily="18" charset="0"/>
                 <a:cs typeface="Times New Roman" panose="02020603050405020304" pitchFamily="18" charset="0"/>
               </a:rPr>
-              <a:t>Features</a:t>
-            </a:r>
-            <a:r>
-              <a:rPr kumimoji="0" lang="en-US" altLang="en-US" sz="2300" b="0" i="0" u="none" strike="noStrike" cap="none" normalizeH="0" baseline="0" dirty="0">
+              <a:t>Features:</a:t>
+            </a:r>
+            <a:r>
+              <a:rPr kumimoji="0" lang="en-US" altLang="en-US" sz="2400" b="0" i="0" u="none" strike="noStrike" cap="none" normalizeH="0" baseline="0" dirty="0">
                 <a:ln>
                   <a:noFill/>
                 </a:ln>
@@ -6084,13 +6242,13 @@
                 <a:latin typeface="Times New Roman" panose="02020603050405020304" pitchFamily="18" charset="0"/>
                 <a:cs typeface="Times New Roman" panose="02020603050405020304" pitchFamily="18" charset="0"/>
               </a:rPr>
-              <a:t>: User-friendly interface, process mapping, root cause analysis.</a:t>
+              <a:t> User-friendly interface, process mapping, root cause analysis.</a:t>
             </a:r>
           </a:p>
           <a:p>
             <a:pPr marL="0" marR="0" lvl="0" indent="0" algn="l" defTabSz="914400" rtl="0" eaLnBrk="0" fontAlgn="base" latinLnBrk="0" hangingPunct="0">
               <a:lnSpc>
-                <a:spcPct val="100000"/>
+                <a:spcPct val="150000"/>
               </a:lnSpc>
               <a:spcBef>
                 <a:spcPct val="0"/>
@@ -6105,7 +6263,7 @@
               <a:tabLst/>
             </a:pPr>
             <a:r>
-              <a:rPr kumimoji="0" lang="en-US" altLang="en-US" sz="2300" b="1" i="0" u="none" strike="noStrike" cap="none" normalizeH="0" baseline="0" dirty="0">
+              <a:rPr kumimoji="0" lang="en-US" altLang="en-US" sz="2400" b="1" i="0" u="none" strike="noStrike" cap="none" normalizeH="0" baseline="0" dirty="0">
                 <a:ln>
                   <a:noFill/>
                 </a:ln>
@@ -6119,7 +6277,7 @@
               <a:t>PROM</a:t>
             </a:r>
             <a:r>
-              <a:rPr kumimoji="0" lang="en-US" altLang="en-US" sz="2300" b="0" i="0" u="none" strike="noStrike" cap="none" normalizeH="0" baseline="0" dirty="0">
+              <a:rPr kumimoji="0" lang="en-US" altLang="en-US" sz="2400" b="0" i="0" u="none" strike="noStrike" cap="none" normalizeH="0" baseline="0" dirty="0">
                 <a:ln>
                   <a:noFill/>
                 </a:ln>
@@ -6130,40 +6288,13 @@
                 <a:latin typeface="Times New Roman" panose="02020603050405020304" pitchFamily="18" charset="0"/>
                 <a:cs typeface="Times New Roman" panose="02020603050405020304" pitchFamily="18" charset="0"/>
               </a:rPr>
-              <a:t>:</a:t>
-            </a:r>
-            <a:br>
-              <a:rPr kumimoji="0" lang="en-US" altLang="en-US" sz="2300" b="0" i="0" u="none" strike="noStrike" cap="none" normalizeH="0" baseline="0" dirty="0">
-                <a:ln>
-                  <a:noFill/>
-                </a:ln>
-                <a:solidFill>
-                  <a:schemeClr val="tx1"/>
-                </a:solidFill>
-                <a:effectLst/>
-                <a:latin typeface="Times New Roman" panose="02020603050405020304" pitchFamily="18" charset="0"/>
-                <a:cs typeface="Times New Roman" panose="02020603050405020304" pitchFamily="18" charset="0"/>
-              </a:rPr>
-            </a:br>
-            <a:r>
-              <a:rPr kumimoji="0" lang="en-US" altLang="en-US" sz="2300" b="0" i="0" u="none" strike="noStrike" cap="none" normalizeH="0" baseline="0" dirty="0">
-                <a:ln>
-                  <a:noFill/>
-                </a:ln>
-                <a:solidFill>
-                  <a:schemeClr val="tx1"/>
-                </a:solidFill>
-                <a:effectLst/>
-                <a:latin typeface="Times New Roman" panose="02020603050405020304" pitchFamily="18" charset="0"/>
-                <a:cs typeface="Times New Roman" panose="02020603050405020304" pitchFamily="18" charset="0"/>
-              </a:rPr>
-              <a:t>Open-source application for research and industry.</a:t>
+              <a:t>: Open-source application for research and industry.</a:t>
             </a:r>
           </a:p>
           <a:p>
             <a:pPr marL="457200" marR="0" lvl="1" indent="0" algn="l" defTabSz="914400" rtl="0" eaLnBrk="0" fontAlgn="base" latinLnBrk="0" hangingPunct="0">
               <a:lnSpc>
-                <a:spcPct val="100000"/>
+                <a:spcPct val="150000"/>
               </a:lnSpc>
               <a:spcBef>
                 <a:spcPct val="0"/>
@@ -6173,12 +6304,10 @@
               </a:spcAft>
               <a:buClrTx/>
               <a:buSzTx/>
-              <a:buFontTx/>
-              <a:buChar char="•"/>
               <a:tabLst/>
             </a:pPr>
             <a:r>
-              <a:rPr kumimoji="0" lang="en-US" altLang="en-US" sz="2300" b="1" i="0" u="none" strike="noStrike" cap="none" normalizeH="0" baseline="0" dirty="0">
+              <a:rPr kumimoji="0" lang="en-US" altLang="en-US" sz="2400" i="0" u="none" strike="noStrike" cap="none" normalizeH="0" baseline="0" dirty="0">
                 <a:ln>
                   <a:noFill/>
                 </a:ln>
@@ -6189,10 +6318,10 @@
                 <a:latin typeface="Times New Roman" panose="02020603050405020304" pitchFamily="18" charset="0"/>
                 <a:cs typeface="Times New Roman" panose="02020603050405020304" pitchFamily="18" charset="0"/>
               </a:rPr>
-              <a:t>Features</a:t>
-            </a:r>
-            <a:r>
-              <a:rPr kumimoji="0" lang="en-US" altLang="en-US" sz="2300" b="0" i="0" u="none" strike="noStrike" cap="none" normalizeH="0" baseline="0" dirty="0">
+              <a:t>Features: </a:t>
+            </a:r>
+            <a:r>
+              <a:rPr kumimoji="0" lang="en-US" altLang="en-US" sz="2400" b="0" i="0" u="none" strike="noStrike" cap="none" normalizeH="0" baseline="0" dirty="0">
                 <a:ln>
                   <a:noFill/>
                 </a:ln>
@@ -6203,13 +6332,13 @@
                 <a:latin typeface="Times New Roman" panose="02020603050405020304" pitchFamily="18" charset="0"/>
                 <a:cs typeface="Times New Roman" panose="02020603050405020304" pitchFamily="18" charset="0"/>
               </a:rPr>
-              <a:t>: Plugin-based architecture, customizable algorithms.</a:t>
+              <a:t>Plugin-based architecture, customizable algorithms.</a:t>
             </a:r>
           </a:p>
           <a:p>
             <a:pPr marL="0" marR="0" lvl="0" indent="0" algn="l" defTabSz="914400" rtl="0" eaLnBrk="0" fontAlgn="base" latinLnBrk="0" hangingPunct="0">
               <a:lnSpc>
-                <a:spcPct val="100000"/>
+                <a:spcPct val="150000"/>
               </a:lnSpc>
               <a:spcBef>
                 <a:spcPct val="0"/>
@@ -6224,7 +6353,7 @@
               <a:tabLst/>
             </a:pPr>
             <a:r>
-              <a:rPr kumimoji="0" lang="en-US" altLang="en-US" sz="2300" b="1" i="0" u="none" strike="noStrike" cap="none" normalizeH="0" baseline="0" dirty="0" err="1">
+              <a:rPr kumimoji="0" lang="en-US" altLang="en-US" sz="2400" b="1" i="0" u="none" strike="noStrike" cap="none" normalizeH="0" baseline="0" dirty="0" err="1">
                 <a:ln>
                   <a:noFill/>
                 </a:ln>
@@ -6238,7 +6367,7 @@
               <a:t>ProcessGold</a:t>
             </a:r>
             <a:r>
-              <a:rPr kumimoji="0" lang="en-US" altLang="en-US" sz="2300" b="0" i="0" u="none" strike="noStrike" cap="none" normalizeH="0" baseline="0" dirty="0">
+              <a:rPr kumimoji="0" lang="en-US" altLang="en-US" sz="2400" b="0" i="0" u="none" strike="noStrike" cap="none" normalizeH="0" baseline="0" dirty="0">
                 <a:ln>
                   <a:noFill/>
                 </a:ln>
@@ -6249,40 +6378,13 @@
                 <a:latin typeface="Times New Roman" panose="02020603050405020304" pitchFamily="18" charset="0"/>
                 <a:cs typeface="Times New Roman" panose="02020603050405020304" pitchFamily="18" charset="0"/>
               </a:rPr>
-              <a:t>:</a:t>
-            </a:r>
-            <a:br>
-              <a:rPr kumimoji="0" lang="en-US" altLang="en-US" sz="2300" b="0" i="0" u="none" strike="noStrike" cap="none" normalizeH="0" baseline="0" dirty="0">
-                <a:ln>
-                  <a:noFill/>
-                </a:ln>
-                <a:solidFill>
-                  <a:schemeClr val="tx1"/>
-                </a:solidFill>
-                <a:effectLst/>
-                <a:latin typeface="Times New Roman" panose="02020603050405020304" pitchFamily="18" charset="0"/>
-                <a:cs typeface="Times New Roman" panose="02020603050405020304" pitchFamily="18" charset="0"/>
-              </a:rPr>
-            </a:br>
-            <a:r>
-              <a:rPr kumimoji="0" lang="en-US" altLang="en-US" sz="2300" b="0" i="0" u="none" strike="noStrike" cap="none" normalizeH="0" baseline="0" dirty="0">
-                <a:ln>
-                  <a:noFill/>
-                </a:ln>
-                <a:solidFill>
-                  <a:schemeClr val="tx1"/>
-                </a:solidFill>
-                <a:effectLst/>
-                <a:latin typeface="Times New Roman" panose="02020603050405020304" pitchFamily="18" charset="0"/>
-                <a:cs typeface="Times New Roman" panose="02020603050405020304" pitchFamily="18" charset="0"/>
-              </a:rPr>
-              <a:t>Optimizes processes with advanced analytics.</a:t>
+              <a:t>: Optimizes processes with advanced analytics.</a:t>
             </a:r>
           </a:p>
           <a:p>
             <a:pPr marL="457200" marR="0" lvl="1" indent="0" algn="l" defTabSz="914400" rtl="0" eaLnBrk="0" fontAlgn="base" latinLnBrk="0" hangingPunct="0">
               <a:lnSpc>
-                <a:spcPct val="100000"/>
+                <a:spcPct val="150000"/>
               </a:lnSpc>
               <a:spcBef>
                 <a:spcPct val="0"/>
@@ -6292,12 +6394,10 @@
               </a:spcAft>
               <a:buClrTx/>
               <a:buSzTx/>
-              <a:buFontTx/>
-              <a:buChar char="•"/>
               <a:tabLst/>
             </a:pPr>
             <a:r>
-              <a:rPr kumimoji="0" lang="en-US" altLang="en-US" sz="2300" b="1" i="0" u="none" strike="noStrike" cap="none" normalizeH="0" baseline="0" dirty="0">
+              <a:rPr kumimoji="0" lang="en-US" altLang="en-US" sz="2400" i="0" u="none" strike="noStrike" cap="none" normalizeH="0" baseline="0" dirty="0">
                 <a:ln>
                   <a:noFill/>
                 </a:ln>
@@ -6308,10 +6408,10 @@
                 <a:latin typeface="Times New Roman" panose="02020603050405020304" pitchFamily="18" charset="0"/>
                 <a:cs typeface="Times New Roman" panose="02020603050405020304" pitchFamily="18" charset="0"/>
               </a:rPr>
-              <a:t>Features</a:t>
-            </a:r>
-            <a:r>
-              <a:rPr kumimoji="0" lang="en-US" altLang="en-US" sz="2300" b="0" i="0" u="none" strike="noStrike" cap="none" normalizeH="0" baseline="0" dirty="0">
+              <a:t>Features: </a:t>
+            </a:r>
+            <a:r>
+              <a:rPr kumimoji="0" lang="en-US" altLang="en-US" sz="2400" b="0" i="0" u="none" strike="noStrike" cap="none" normalizeH="0" baseline="0" dirty="0">
                 <a:ln>
                   <a:noFill/>
                 </a:ln>
@@ -6322,13 +6422,13 @@
                 <a:latin typeface="Times New Roman" panose="02020603050405020304" pitchFamily="18" charset="0"/>
                 <a:cs typeface="Times New Roman" panose="02020603050405020304" pitchFamily="18" charset="0"/>
               </a:rPr>
-              <a:t>: Automatic process modeling, predictive capabilities.</a:t>
+              <a:t>Automatic process modeling, predictive capabilities.</a:t>
             </a:r>
           </a:p>
           <a:p>
             <a:pPr marL="0" marR="0" lvl="0" indent="0" algn="l" defTabSz="914400" rtl="0" eaLnBrk="0" fontAlgn="base" latinLnBrk="0" hangingPunct="0">
               <a:lnSpc>
-                <a:spcPct val="100000"/>
+                <a:spcPct val="150000"/>
               </a:lnSpc>
               <a:spcBef>
                 <a:spcPct val="0"/>
@@ -6343,7 +6443,7 @@
               <a:tabLst/>
             </a:pPr>
             <a:r>
-              <a:rPr kumimoji="0" lang="en-US" altLang="en-US" sz="2300" b="1" i="0" u="none" strike="noStrike" cap="none" normalizeH="0" baseline="0" dirty="0" err="1">
+              <a:rPr kumimoji="0" lang="en-US" altLang="en-US" sz="2400" b="1" i="0" u="none" strike="noStrike" cap="none" normalizeH="0" baseline="0" dirty="0" err="1">
                 <a:ln>
                   <a:noFill/>
                 </a:ln>
@@ -6357,7 +6457,7 @@
               <a:t>Minit</a:t>
             </a:r>
             <a:r>
-              <a:rPr kumimoji="0" lang="en-US" altLang="en-US" sz="2300" b="0" i="0" u="none" strike="noStrike" cap="none" normalizeH="0" baseline="0" dirty="0">
+              <a:rPr kumimoji="0" lang="en-US" altLang="en-US" sz="2400" b="0" i="0" u="none" strike="noStrike" cap="none" normalizeH="0" baseline="0" dirty="0">
                 <a:ln>
                   <a:noFill/>
                 </a:ln>
@@ -6368,40 +6468,13 @@
                 <a:latin typeface="Times New Roman" panose="02020603050405020304" pitchFamily="18" charset="0"/>
                 <a:cs typeface="Times New Roman" panose="02020603050405020304" pitchFamily="18" charset="0"/>
               </a:rPr>
-              <a:t>:</a:t>
-            </a:r>
-            <a:br>
-              <a:rPr kumimoji="0" lang="en-US" altLang="en-US" sz="2300" b="0" i="0" u="none" strike="noStrike" cap="none" normalizeH="0" baseline="0" dirty="0">
-                <a:ln>
-                  <a:noFill/>
-                </a:ln>
-                <a:solidFill>
-                  <a:schemeClr val="tx1"/>
-                </a:solidFill>
-                <a:effectLst/>
-                <a:latin typeface="Times New Roman" panose="02020603050405020304" pitchFamily="18" charset="0"/>
-                <a:cs typeface="Times New Roman" panose="02020603050405020304" pitchFamily="18" charset="0"/>
-              </a:rPr>
-            </a:br>
-            <a:r>
-              <a:rPr kumimoji="0" lang="en-US" altLang="en-US" sz="2300" b="0" i="0" u="none" strike="noStrike" cap="none" normalizeH="0" baseline="0" dirty="0">
-                <a:ln>
-                  <a:noFill/>
-                </a:ln>
-                <a:solidFill>
-                  <a:schemeClr val="tx1"/>
-                </a:solidFill>
-                <a:effectLst/>
-                <a:latin typeface="Times New Roman" panose="02020603050405020304" pitchFamily="18" charset="0"/>
-                <a:cs typeface="Times New Roman" panose="02020603050405020304" pitchFamily="18" charset="0"/>
-              </a:rPr>
-              <a:t>Simplifies process discovery for non-technical users.</a:t>
+              <a:t>: Simplifies process discovery for non-technical users.</a:t>
             </a:r>
           </a:p>
           <a:p>
             <a:pPr marL="457200" marR="0" lvl="1" indent="0" algn="l" defTabSz="914400" rtl="0" eaLnBrk="0" fontAlgn="base" latinLnBrk="0" hangingPunct="0">
               <a:lnSpc>
-                <a:spcPct val="100000"/>
+                <a:spcPct val="150000"/>
               </a:lnSpc>
               <a:spcBef>
                 <a:spcPct val="0"/>
@@ -6411,12 +6484,10 @@
               </a:spcAft>
               <a:buClrTx/>
               <a:buSzTx/>
-              <a:buFontTx/>
-              <a:buChar char="•"/>
               <a:tabLst/>
             </a:pPr>
             <a:r>
-              <a:rPr kumimoji="0" lang="en-US" altLang="en-US" sz="2300" b="1" i="0" u="none" strike="noStrike" cap="none" normalizeH="0" baseline="0" dirty="0">
+              <a:rPr kumimoji="0" lang="en-US" altLang="en-US" sz="2400" i="0" u="none" strike="noStrike" cap="none" normalizeH="0" baseline="0" dirty="0">
                 <a:ln>
                   <a:noFill/>
                 </a:ln>
@@ -6427,10 +6498,10 @@
                 <a:latin typeface="Times New Roman" panose="02020603050405020304" pitchFamily="18" charset="0"/>
                 <a:cs typeface="Times New Roman" panose="02020603050405020304" pitchFamily="18" charset="0"/>
               </a:rPr>
-              <a:t>Features</a:t>
-            </a:r>
-            <a:r>
-              <a:rPr kumimoji="0" lang="en-US" altLang="en-US" sz="2300" b="0" i="0" u="none" strike="noStrike" cap="none" normalizeH="0" baseline="0" dirty="0">
+              <a:t>Features: </a:t>
+            </a:r>
+            <a:r>
+              <a:rPr kumimoji="0" lang="en-US" altLang="en-US" sz="2400" b="0" i="0" u="none" strike="noStrike" cap="none" normalizeH="0" baseline="0" dirty="0">
                 <a:ln>
                   <a:noFill/>
                 </a:ln>
@@ -6441,13 +6512,13 @@
                 <a:latin typeface="Times New Roman" panose="02020603050405020304" pitchFamily="18" charset="0"/>
                 <a:cs typeface="Times New Roman" panose="02020603050405020304" pitchFamily="18" charset="0"/>
               </a:rPr>
-              <a:t>: Easy interface, performance metrics.</a:t>
+              <a:t>Easy interface, performance metrics.</a:t>
             </a:r>
           </a:p>
           <a:p>
             <a:pPr marL="0" marR="0" lvl="0" indent="0" algn="l" defTabSz="914400" rtl="0" eaLnBrk="0" fontAlgn="base" latinLnBrk="0" hangingPunct="0">
               <a:lnSpc>
-                <a:spcPct val="100000"/>
+                <a:spcPct val="150000"/>
               </a:lnSpc>
               <a:spcBef>
                 <a:spcPct val="0"/>
@@ -6462,7 +6533,7 @@
               <a:tabLst/>
             </a:pPr>
             <a:r>
-              <a:rPr kumimoji="0" lang="en-US" altLang="en-US" sz="2300" b="1" i="0" u="none" strike="noStrike" cap="none" normalizeH="0" baseline="0" dirty="0">
+              <a:rPr kumimoji="0" lang="en-US" altLang="en-US" sz="2400" b="1" i="0" u="none" strike="noStrike" cap="none" normalizeH="0" baseline="0" dirty="0">
                 <a:ln>
                   <a:noFill/>
                 </a:ln>
@@ -6476,7 +6547,7 @@
               <a:t>QPR Process Analyzer</a:t>
             </a:r>
             <a:r>
-              <a:rPr kumimoji="0" lang="en-US" altLang="en-US" sz="2300" b="0" i="0" u="none" strike="noStrike" cap="none" normalizeH="0" baseline="0" dirty="0">
+              <a:rPr kumimoji="0" lang="en-US" altLang="en-US" sz="2400" b="0" i="0" u="none" strike="noStrike" cap="none" normalizeH="0" baseline="0" dirty="0">
                 <a:ln>
                   <a:noFill/>
                 </a:ln>
@@ -6487,40 +6558,13 @@
                 <a:latin typeface="Times New Roman" panose="02020603050405020304" pitchFamily="18" charset="0"/>
                 <a:cs typeface="Times New Roman" panose="02020603050405020304" pitchFamily="18" charset="0"/>
               </a:rPr>
-              <a:t>:</a:t>
-            </a:r>
-            <a:br>
-              <a:rPr kumimoji="0" lang="en-US" altLang="en-US" sz="2300" b="0" i="0" u="none" strike="noStrike" cap="none" normalizeH="0" baseline="0" dirty="0">
-                <a:ln>
-                  <a:noFill/>
-                </a:ln>
-                <a:solidFill>
-                  <a:schemeClr val="tx1"/>
-                </a:solidFill>
-                <a:effectLst/>
-                <a:latin typeface="Times New Roman" panose="02020603050405020304" pitchFamily="18" charset="0"/>
-                <a:cs typeface="Times New Roman" panose="02020603050405020304" pitchFamily="18" charset="0"/>
-              </a:rPr>
-            </a:br>
-            <a:r>
-              <a:rPr kumimoji="0" lang="en-US" altLang="en-US" sz="2300" b="0" i="0" u="none" strike="noStrike" cap="none" normalizeH="0" baseline="0" dirty="0">
-                <a:ln>
-                  <a:noFill/>
-                </a:ln>
-                <a:solidFill>
-                  <a:schemeClr val="tx1"/>
-                </a:solidFill>
-                <a:effectLst/>
-                <a:latin typeface="Times New Roman" panose="02020603050405020304" pitchFamily="18" charset="0"/>
-                <a:cs typeface="Times New Roman" panose="02020603050405020304" pitchFamily="18" charset="0"/>
-              </a:rPr>
-              <a:t>Combines process mining with analytics.</a:t>
+              <a:t>: Combines process mining with analytics.</a:t>
             </a:r>
           </a:p>
           <a:p>
             <a:pPr marL="457200" marR="0" lvl="1" indent="0" algn="l" defTabSz="914400" rtl="0" eaLnBrk="0" fontAlgn="base" latinLnBrk="0" hangingPunct="0">
               <a:lnSpc>
-                <a:spcPct val="100000"/>
+                <a:spcPct val="150000"/>
               </a:lnSpc>
               <a:spcBef>
                 <a:spcPct val="0"/>
@@ -6530,12 +6574,10 @@
               </a:spcAft>
               <a:buClrTx/>
               <a:buSzTx/>
-              <a:buFontTx/>
-              <a:buChar char="•"/>
               <a:tabLst/>
             </a:pPr>
             <a:r>
-              <a:rPr kumimoji="0" lang="en-US" altLang="en-US" sz="2300" b="1" i="0" u="none" strike="noStrike" cap="none" normalizeH="0" baseline="0" dirty="0">
+              <a:rPr kumimoji="0" lang="en-US" altLang="en-US" sz="2400" i="0" u="none" strike="noStrike" cap="none" normalizeH="0" baseline="0" dirty="0">
                 <a:ln>
                   <a:noFill/>
                 </a:ln>
@@ -6546,10 +6588,10 @@
                 <a:latin typeface="Times New Roman" panose="02020603050405020304" pitchFamily="18" charset="0"/>
                 <a:cs typeface="Times New Roman" panose="02020603050405020304" pitchFamily="18" charset="0"/>
               </a:rPr>
-              <a:t>Features</a:t>
-            </a:r>
-            <a:r>
-              <a:rPr kumimoji="0" lang="en-US" altLang="en-US" sz="2300" b="0" i="0" u="none" strike="noStrike" cap="none" normalizeH="0" baseline="0" dirty="0">
+              <a:t>Features: </a:t>
+            </a:r>
+            <a:r>
+              <a:rPr kumimoji="0" lang="en-US" altLang="en-US" sz="2400" b="0" i="0" u="none" strike="noStrike" cap="none" normalizeH="0" baseline="0" dirty="0">
                 <a:ln>
                   <a:noFill/>
                 </a:ln>
@@ -6560,39 +6602,7 @@
                 <a:latin typeface="Times New Roman" panose="02020603050405020304" pitchFamily="18" charset="0"/>
                 <a:cs typeface="Times New Roman" panose="02020603050405020304" pitchFamily="18" charset="0"/>
               </a:rPr>
-              <a:t>: Real-time monitoring, in-depth insights.</a:t>
-            </a:r>
-          </a:p>
-          <a:p>
-            <a:pPr marL="0" marR="0" lvl="0" indent="0" algn="l" defTabSz="914400" rtl="0" eaLnBrk="0" fontAlgn="base" latinLnBrk="0" hangingPunct="0">
-              <a:lnSpc>
-                <a:spcPct val="100000"/>
-              </a:lnSpc>
-              <a:spcBef>
-                <a:spcPct val="0"/>
-              </a:spcBef>
-              <a:spcAft>
-                <a:spcPct val="0"/>
-              </a:spcAft>
-              <a:buClrTx/>
-              <a:buSzTx/>
-              <a:buFontTx/>
-              <a:buNone/>
-              <a:tabLst/>
-            </a:pPr>
-            <a:r>
-              <a:rPr kumimoji="0" lang="en-US" altLang="en-US" sz="2300" b="0" i="0" u="none" strike="noStrike" cap="none" normalizeH="0" baseline="0" dirty="0">
-                <a:ln>
-                  <a:noFill/>
-                </a:ln>
-                <a:solidFill>
-                  <a:schemeClr val="tx1"/>
-                </a:solidFill>
-                <a:effectLst/>
-                <a:latin typeface="Times New Roman" panose="02020603050405020304" pitchFamily="18" charset="0"/>
-                <a:cs typeface="Times New Roman" panose="02020603050405020304" pitchFamily="18" charset="0"/>
-              </a:rPr>
-              <a:t>Each application has unique features tailored to specific business needs.</a:t>
+              <a:t>Real-time monitoring, in-depth insights.</a:t>
             </a:r>
           </a:p>
         </p:txBody>
@@ -6894,7 +6904,7 @@
         <p:spPr>
           <a:xfrm>
             <a:off x="3572933" y="-16934"/>
-            <a:ext cx="5672667" cy="232759"/>
+            <a:ext cx="5599943" cy="249693"/>
           </a:xfrm>
           <a:prstGeom prst="rect">
             <a:avLst/>
@@ -7080,6 +7090,9 @@
           </a:bodyPr>
           <a:lstStyle/>
           <a:p>
+            <a:pPr marL="0" indent="0">
+              <a:buNone/>
+            </a:pPr>
             <a:r>
               <a:rPr lang="en-US" sz="2400" dirty="0"/>
               <a:t>Process mining has a wide range of applications across industries, including:</a:t>
